--- a/demo.pptx
+++ b/demo.pptx
@@ -110,6 +110,11 @@
       </a:defRPr>
     </a:lvl9pPr>
   </p:defaultTextStyle>
+  <p:extLst>
+    <p:ext uri="{EFAFB233-063F-42B5-8137-9DF3F51BA10A}">
+      <p15:sldGuideLst xmlns:p15="http://schemas.microsoft.com/office/powerpoint/2012/main"/>
+    </p:ext>
+  </p:extLst>
 </p:presentation>
 </file>
 
@@ -244,7 +249,7 @@
           <a:p>
             <a:fld id="{97F724AF-314B-4EA5-A5AE-9269B2234BB3}" type="datetimeFigureOut">
               <a:rPr lang="zh-CN" altLang="en-US" smtClean="0"/>
-              <a:t>2018/11/16</a:t>
+              <a:t>2018/11/19</a:t>
             </a:fld>
             <a:endParaRPr lang="zh-CN" altLang="en-US"/>
           </a:p>
@@ -414,7 +419,7 @@
           <a:p>
             <a:fld id="{97F724AF-314B-4EA5-A5AE-9269B2234BB3}" type="datetimeFigureOut">
               <a:rPr lang="zh-CN" altLang="en-US" smtClean="0"/>
-              <a:t>2018/11/16</a:t>
+              <a:t>2018/11/19</a:t>
             </a:fld>
             <a:endParaRPr lang="zh-CN" altLang="en-US"/>
           </a:p>
@@ -594,7 +599,7 @@
           <a:p>
             <a:fld id="{97F724AF-314B-4EA5-A5AE-9269B2234BB3}" type="datetimeFigureOut">
               <a:rPr lang="zh-CN" altLang="en-US" smtClean="0"/>
-              <a:t>2018/11/16</a:t>
+              <a:t>2018/11/19</a:t>
             </a:fld>
             <a:endParaRPr lang="zh-CN" altLang="en-US"/>
           </a:p>
@@ -764,7 +769,7 @@
           <a:p>
             <a:fld id="{97F724AF-314B-4EA5-A5AE-9269B2234BB3}" type="datetimeFigureOut">
               <a:rPr lang="zh-CN" altLang="en-US" smtClean="0"/>
-              <a:t>2018/11/16</a:t>
+              <a:t>2018/11/19</a:t>
             </a:fld>
             <a:endParaRPr lang="zh-CN" altLang="en-US"/>
           </a:p>
@@ -1010,7 +1015,7 @@
           <a:p>
             <a:fld id="{97F724AF-314B-4EA5-A5AE-9269B2234BB3}" type="datetimeFigureOut">
               <a:rPr lang="zh-CN" altLang="en-US" smtClean="0"/>
-              <a:t>2018/11/16</a:t>
+              <a:t>2018/11/19</a:t>
             </a:fld>
             <a:endParaRPr lang="zh-CN" altLang="en-US"/>
           </a:p>
@@ -1242,7 +1247,7 @@
           <a:p>
             <a:fld id="{97F724AF-314B-4EA5-A5AE-9269B2234BB3}" type="datetimeFigureOut">
               <a:rPr lang="zh-CN" altLang="en-US" smtClean="0"/>
-              <a:t>2018/11/16</a:t>
+              <a:t>2018/11/19</a:t>
             </a:fld>
             <a:endParaRPr lang="zh-CN" altLang="en-US"/>
           </a:p>
@@ -1609,7 +1614,7 @@
           <a:p>
             <a:fld id="{97F724AF-314B-4EA5-A5AE-9269B2234BB3}" type="datetimeFigureOut">
               <a:rPr lang="zh-CN" altLang="en-US" smtClean="0"/>
-              <a:t>2018/11/16</a:t>
+              <a:t>2018/11/19</a:t>
             </a:fld>
             <a:endParaRPr lang="zh-CN" altLang="en-US"/>
           </a:p>
@@ -1727,7 +1732,7 @@
           <a:p>
             <a:fld id="{97F724AF-314B-4EA5-A5AE-9269B2234BB3}" type="datetimeFigureOut">
               <a:rPr lang="zh-CN" altLang="en-US" smtClean="0"/>
-              <a:t>2018/11/16</a:t>
+              <a:t>2018/11/19</a:t>
             </a:fld>
             <a:endParaRPr lang="zh-CN" altLang="en-US"/>
           </a:p>
@@ -1822,7 +1827,7 @@
           <a:p>
             <a:fld id="{97F724AF-314B-4EA5-A5AE-9269B2234BB3}" type="datetimeFigureOut">
               <a:rPr lang="zh-CN" altLang="en-US" smtClean="0"/>
-              <a:t>2018/11/16</a:t>
+              <a:t>2018/11/19</a:t>
             </a:fld>
             <a:endParaRPr lang="zh-CN" altLang="en-US"/>
           </a:p>
@@ -2099,7 +2104,7 @@
           <a:p>
             <a:fld id="{97F724AF-314B-4EA5-A5AE-9269B2234BB3}" type="datetimeFigureOut">
               <a:rPr lang="zh-CN" altLang="en-US" smtClean="0"/>
-              <a:t>2018/11/16</a:t>
+              <a:t>2018/11/19</a:t>
             </a:fld>
             <a:endParaRPr lang="zh-CN" altLang="en-US"/>
           </a:p>
@@ -2352,7 +2357,7 @@
           <a:p>
             <a:fld id="{97F724AF-314B-4EA5-A5AE-9269B2234BB3}" type="datetimeFigureOut">
               <a:rPr lang="zh-CN" altLang="en-US" smtClean="0"/>
-              <a:t>2018/11/16</a:t>
+              <a:t>2018/11/19</a:t>
             </a:fld>
             <a:endParaRPr lang="zh-CN" altLang="en-US"/>
           </a:p>
@@ -2565,7 +2570,7 @@
           <a:p>
             <a:fld id="{97F724AF-314B-4EA5-A5AE-9269B2234BB3}" type="datetimeFigureOut">
               <a:rPr lang="zh-CN" altLang="en-US" smtClean="0"/>
-              <a:t>2018/11/16</a:t>
+              <a:t>2018/11/19</a:t>
             </a:fld>
             <a:endParaRPr lang="zh-CN" altLang="en-US"/>
           </a:p>
@@ -4742,6 +4747,661 @@
           </a:p>
         </p:txBody>
       </p:sp>
+      <p:graphicFrame>
+        <p:nvGraphicFramePr>
+          <p:cNvPr id="4" name="表格 3"/>
+          <p:cNvGraphicFramePr>
+            <a:graphicFrameLocks noGrp="1"/>
+          </p:cNvGraphicFramePr>
+          <p:nvPr>
+            <p:extLst>
+              <p:ext uri="{D42A27DB-BD31-4B8C-83A1-F6EECF244321}">
+                <p14:modId xmlns:p14="http://schemas.microsoft.com/office/powerpoint/2010/main" val="3061913167"/>
+              </p:ext>
+            </p:extLst>
+          </p:nvPr>
+        </p:nvGraphicFramePr>
+        <p:xfrm>
+          <a:off x="5275217" y="3630485"/>
+          <a:ext cx="4064000" cy="741680"/>
+        </p:xfrm>
+        <a:graphic>
+          <a:graphicData uri="http://schemas.openxmlformats.org/drawingml/2006/table">
+            <a:tbl>
+              <a:tblPr firstRow="1" bandRow="1">
+                <a:tableStyleId>{5940675A-B579-460E-94D1-54222C63F5DA}</a:tableStyleId>
+              </a:tblPr>
+              <a:tblGrid>
+                <a:gridCol w="2032000"/>
+                <a:gridCol w="2032000"/>
+              </a:tblGrid>
+              <a:tr h="370840">
+                <a:tc>
+                  <a:txBody>
+                    <a:bodyPr/>
+                    <a:lstStyle/>
+                    <a:p>
+                      <a:r>
+                        <a:rPr lang="zh-CN" altLang="en-US" dirty="0" smtClean="0"/>
+                        <a:t>消费类别</a:t>
+                      </a:r>
+                      <a:endParaRPr lang="zh-CN" altLang="en-US" dirty="0"/>
+                    </a:p>
+                  </a:txBody>
+                  <a:tcPr/>
+                </a:tc>
+                <a:tc>
+                  <a:txBody>
+                    <a:bodyPr/>
+                    <a:lstStyle/>
+                    <a:p>
+                      <a:r>
+                        <a:rPr lang="zh-CN" altLang="en-US" dirty="0" smtClean="0"/>
+                        <a:t>金额</a:t>
+                      </a:r>
+                      <a:endParaRPr lang="zh-CN" altLang="en-US" dirty="0"/>
+                    </a:p>
+                  </a:txBody>
+                  <a:tcPr/>
+                </a:tc>
+              </a:tr>
+              <a:tr h="370840">
+                <a:tc>
+                  <a:txBody>
+                    <a:bodyPr/>
+                    <a:lstStyle/>
+                    <a:p>
+                      <a:endParaRPr lang="zh-CN" altLang="en-US" dirty="0"/>
+                    </a:p>
+                  </a:txBody>
+                  <a:tcPr/>
+                </a:tc>
+                <a:tc>
+                  <a:txBody>
+                    <a:bodyPr/>
+                    <a:lstStyle/>
+                    <a:p>
+                      <a:endParaRPr lang="zh-CN" altLang="en-US" dirty="0"/>
+                    </a:p>
+                  </a:txBody>
+                  <a:tcPr/>
+                </a:tc>
+              </a:tr>
+            </a:tbl>
+          </a:graphicData>
+        </a:graphic>
+      </p:graphicFrame>
+      <p:sp>
+        <p:nvSpPr>
+          <p:cNvPr id="5" name="文本框 4"/>
+          <p:cNvSpPr txBox="1"/>
+          <p:nvPr/>
+        </p:nvSpPr>
+        <p:spPr>
+          <a:xfrm>
+            <a:off x="5275217" y="3293996"/>
+            <a:ext cx="3350623" cy="369332"/>
+          </a:xfrm>
+          <a:prstGeom prst="rect">
+            <a:avLst/>
+          </a:prstGeom>
+          <a:noFill/>
+        </p:spPr>
+        <p:txBody>
+          <a:bodyPr wrap="square" rtlCol="0">
+            <a:spAutoFit/>
+          </a:bodyPr>
+          <a:lstStyle/>
+          <a:p>
+            <a:r>
+              <a:rPr lang="zh-CN" altLang="en-US" dirty="0" smtClean="0">
+                <a:solidFill>
+                  <a:srgbClr val="FF0000"/>
+                </a:solidFill>
+              </a:rPr>
+              <a:t>按照支出类别</a:t>
+            </a:r>
+            <a:endParaRPr lang="zh-CN" altLang="en-US" dirty="0">
+              <a:solidFill>
+                <a:srgbClr val="FF0000"/>
+              </a:solidFill>
+            </a:endParaRPr>
+          </a:p>
+        </p:txBody>
+      </p:sp>
+      <p:graphicFrame>
+        <p:nvGraphicFramePr>
+          <p:cNvPr id="6" name="表格 5"/>
+          <p:cNvGraphicFramePr>
+            <a:graphicFrameLocks noGrp="1"/>
+          </p:cNvGraphicFramePr>
+          <p:nvPr>
+            <p:extLst>
+              <p:ext uri="{D42A27DB-BD31-4B8C-83A1-F6EECF244321}">
+                <p14:modId xmlns:p14="http://schemas.microsoft.com/office/powerpoint/2010/main" val="3125286254"/>
+              </p:ext>
+            </p:extLst>
+          </p:nvPr>
+        </p:nvGraphicFramePr>
+        <p:xfrm>
+          <a:off x="5275217" y="1672267"/>
+          <a:ext cx="4064001" cy="1285240"/>
+        </p:xfrm>
+        <a:graphic>
+          <a:graphicData uri="http://schemas.openxmlformats.org/drawingml/2006/table">
+            <a:tbl>
+              <a:tblPr firstRow="1" bandRow="1">
+                <a:tableStyleId>{5940675A-B579-460E-94D1-54222C63F5DA}</a:tableStyleId>
+              </a:tblPr>
+              <a:tblGrid>
+                <a:gridCol w="1354667"/>
+                <a:gridCol w="1354667"/>
+                <a:gridCol w="1354667"/>
+              </a:tblGrid>
+              <a:tr h="370840">
+                <a:tc>
+                  <a:txBody>
+                    <a:bodyPr/>
+                    <a:lstStyle/>
+                    <a:p>
+                      <a:r>
+                        <a:rPr lang="zh-CN" altLang="en-US" dirty="0" smtClean="0"/>
+                        <a:t>账号</a:t>
+                      </a:r>
+                      <a:endParaRPr lang="zh-CN" altLang="en-US" dirty="0"/>
+                    </a:p>
+                  </a:txBody>
+                  <a:tcPr/>
+                </a:tc>
+                <a:tc>
+                  <a:txBody>
+                    <a:bodyPr/>
+                    <a:lstStyle/>
+                    <a:p>
+                      <a:r>
+                        <a:rPr lang="zh-CN" altLang="en-US" dirty="0" smtClean="0"/>
+                        <a:t>时间段内最早记录的金额</a:t>
+                      </a:r>
+                      <a:endParaRPr lang="zh-CN" altLang="en-US" dirty="0"/>
+                    </a:p>
+                  </a:txBody>
+                  <a:tcPr/>
+                </a:tc>
+                <a:tc>
+                  <a:txBody>
+                    <a:bodyPr/>
+                    <a:lstStyle/>
+                    <a:p>
+                      <a:r>
+                        <a:rPr lang="zh-CN" altLang="en-US" dirty="0" smtClean="0"/>
+                        <a:t>时间段内最晚记录的金额</a:t>
+                      </a:r>
+                      <a:endParaRPr lang="zh-CN" altLang="en-US" dirty="0"/>
+                    </a:p>
+                  </a:txBody>
+                  <a:tcPr/>
+                </a:tc>
+              </a:tr>
+              <a:tr h="370840">
+                <a:tc>
+                  <a:txBody>
+                    <a:bodyPr/>
+                    <a:lstStyle/>
+                    <a:p>
+                      <a:endParaRPr lang="zh-CN" altLang="en-US" dirty="0"/>
+                    </a:p>
+                  </a:txBody>
+                  <a:tcPr/>
+                </a:tc>
+                <a:tc>
+                  <a:txBody>
+                    <a:bodyPr/>
+                    <a:lstStyle/>
+                    <a:p>
+                      <a:endParaRPr lang="zh-CN" altLang="en-US" dirty="0"/>
+                    </a:p>
+                  </a:txBody>
+                  <a:tcPr/>
+                </a:tc>
+                <a:tc>
+                  <a:txBody>
+                    <a:bodyPr/>
+                    <a:lstStyle/>
+                    <a:p>
+                      <a:endParaRPr lang="zh-CN" altLang="en-US" dirty="0"/>
+                    </a:p>
+                  </a:txBody>
+                  <a:tcPr/>
+                </a:tc>
+              </a:tr>
+            </a:tbl>
+          </a:graphicData>
+        </a:graphic>
+      </p:graphicFrame>
+      <p:sp>
+        <p:nvSpPr>
+          <p:cNvPr id="7" name="文本框 6"/>
+          <p:cNvSpPr txBox="1"/>
+          <p:nvPr/>
+        </p:nvSpPr>
+        <p:spPr>
+          <a:xfrm>
+            <a:off x="5275217" y="1335778"/>
+            <a:ext cx="3350623" cy="369332"/>
+          </a:xfrm>
+          <a:prstGeom prst="rect">
+            <a:avLst/>
+          </a:prstGeom>
+          <a:noFill/>
+        </p:spPr>
+        <p:txBody>
+          <a:bodyPr wrap="square" rtlCol="0">
+            <a:spAutoFit/>
+          </a:bodyPr>
+          <a:lstStyle/>
+          <a:p>
+            <a:r>
+              <a:rPr lang="zh-CN" altLang="en-US" dirty="0" smtClean="0">
+                <a:solidFill>
+                  <a:srgbClr val="FF0000"/>
+                </a:solidFill>
+              </a:rPr>
+              <a:t>资金账号</a:t>
+            </a:r>
+            <a:endParaRPr lang="zh-CN" altLang="en-US" dirty="0">
+              <a:solidFill>
+                <a:srgbClr val="FF0000"/>
+              </a:solidFill>
+            </a:endParaRPr>
+          </a:p>
+        </p:txBody>
+      </p:sp>
+      <p:sp>
+        <p:nvSpPr>
+          <p:cNvPr id="8" name="文本框 7"/>
+          <p:cNvSpPr txBox="1"/>
+          <p:nvPr/>
+        </p:nvSpPr>
+        <p:spPr>
+          <a:xfrm>
+            <a:off x="9749245" y="4002833"/>
+            <a:ext cx="2865120" cy="369332"/>
+          </a:xfrm>
+          <a:prstGeom prst="rect">
+            <a:avLst/>
+          </a:prstGeom>
+          <a:noFill/>
+        </p:spPr>
+        <p:txBody>
+          <a:bodyPr wrap="square" rtlCol="0">
+            <a:spAutoFit/>
+          </a:bodyPr>
+          <a:lstStyle/>
+          <a:p>
+            <a:r>
+              <a:rPr lang="zh-CN" altLang="en-US" dirty="0" smtClean="0"/>
+              <a:t>查看每个资金账号的支出</a:t>
+            </a:r>
+            <a:endParaRPr lang="zh-CN" altLang="en-US" dirty="0"/>
+          </a:p>
+        </p:txBody>
+      </p:sp>
+      <p:sp>
+        <p:nvSpPr>
+          <p:cNvPr id="9" name="右箭头 8"/>
+          <p:cNvSpPr/>
+          <p:nvPr/>
+        </p:nvSpPr>
+        <p:spPr>
+          <a:xfrm>
+            <a:off x="9514114" y="4104767"/>
+            <a:ext cx="235131" cy="165463"/>
+          </a:xfrm>
+          <a:prstGeom prst="rightArrow">
+            <a:avLst/>
+          </a:prstGeom>
+        </p:spPr>
+        <p:style>
+          <a:lnRef idx="2">
+            <a:schemeClr val="accent1">
+              <a:shade val="50000"/>
+            </a:schemeClr>
+          </a:lnRef>
+          <a:fillRef idx="1">
+            <a:schemeClr val="accent1"/>
+          </a:fillRef>
+          <a:effectRef idx="0">
+            <a:schemeClr val="accent1"/>
+          </a:effectRef>
+          <a:fontRef idx="minor">
+            <a:schemeClr val="lt1"/>
+          </a:fontRef>
+        </p:style>
+        <p:txBody>
+          <a:bodyPr rtlCol="0" anchor="ctr"/>
+          <a:lstStyle/>
+          <a:p>
+            <a:pPr algn="ctr"/>
+            <a:endParaRPr lang="zh-CN" altLang="en-US"/>
+          </a:p>
+        </p:txBody>
+      </p:sp>
+      <p:sp>
+        <p:nvSpPr>
+          <p:cNvPr id="10" name="文本框 9"/>
+          <p:cNvSpPr txBox="1"/>
+          <p:nvPr/>
+        </p:nvSpPr>
+        <p:spPr>
+          <a:xfrm>
+            <a:off x="5090159" y="191589"/>
+            <a:ext cx="4654732" cy="369332"/>
+          </a:xfrm>
+          <a:prstGeom prst="rect">
+            <a:avLst/>
+          </a:prstGeom>
+          <a:noFill/>
+        </p:spPr>
+        <p:txBody>
+          <a:bodyPr wrap="square" rtlCol="0">
+            <a:spAutoFit/>
+          </a:bodyPr>
+          <a:lstStyle/>
+          <a:p>
+            <a:r>
+              <a:rPr lang="en-US" altLang="zh-CN" b="1" dirty="0" smtClean="0">
+                <a:solidFill>
+                  <a:srgbClr val="FF0000"/>
+                </a:solidFill>
+              </a:rPr>
+              <a:t>1</a:t>
+            </a:r>
+            <a:r>
+              <a:rPr lang="zh-CN" altLang="en-US" b="1" dirty="0" smtClean="0">
+                <a:solidFill>
+                  <a:srgbClr val="FF0000"/>
+                </a:solidFill>
+              </a:rPr>
+              <a:t>、查询某个时间段内消费记录</a:t>
+            </a:r>
+            <a:endParaRPr lang="zh-CN" altLang="en-US" b="1" dirty="0">
+              <a:solidFill>
+                <a:srgbClr val="FF0000"/>
+              </a:solidFill>
+            </a:endParaRPr>
+          </a:p>
+        </p:txBody>
+      </p:sp>
+      <p:graphicFrame>
+        <p:nvGraphicFramePr>
+          <p:cNvPr id="11" name="表格 10"/>
+          <p:cNvGraphicFramePr>
+            <a:graphicFrameLocks noGrp="1"/>
+          </p:cNvGraphicFramePr>
+          <p:nvPr>
+            <p:extLst>
+              <p:ext uri="{D42A27DB-BD31-4B8C-83A1-F6EECF244321}">
+                <p14:modId xmlns:p14="http://schemas.microsoft.com/office/powerpoint/2010/main" val="3809728543"/>
+              </p:ext>
+            </p:extLst>
+          </p:nvPr>
+        </p:nvGraphicFramePr>
+        <p:xfrm>
+          <a:off x="5275217" y="4941125"/>
+          <a:ext cx="4064001" cy="741680"/>
+        </p:xfrm>
+        <a:graphic>
+          <a:graphicData uri="http://schemas.openxmlformats.org/drawingml/2006/table">
+            <a:tbl>
+              <a:tblPr firstRow="1" bandRow="1">
+                <a:tableStyleId>{5940675A-B579-460E-94D1-54222C63F5DA}</a:tableStyleId>
+              </a:tblPr>
+              <a:tblGrid>
+                <a:gridCol w="1354667"/>
+                <a:gridCol w="1354667"/>
+                <a:gridCol w="1354667"/>
+              </a:tblGrid>
+              <a:tr h="370840">
+                <a:tc>
+                  <a:txBody>
+                    <a:bodyPr/>
+                    <a:lstStyle/>
+                    <a:p>
+                      <a:r>
+                        <a:rPr lang="zh-CN" altLang="en-US" dirty="0" smtClean="0"/>
+                        <a:t>资金账号</a:t>
+                      </a:r>
+                      <a:endParaRPr lang="zh-CN" altLang="en-US" dirty="0"/>
+                    </a:p>
+                  </a:txBody>
+                  <a:tcPr/>
+                </a:tc>
+                <a:tc>
+                  <a:txBody>
+                    <a:bodyPr/>
+                    <a:lstStyle/>
+                    <a:p>
+                      <a:r>
+                        <a:rPr lang="zh-CN" altLang="en-US" dirty="0" smtClean="0"/>
+                        <a:t>消费类别</a:t>
+                      </a:r>
+                      <a:endParaRPr lang="zh-CN" altLang="en-US" dirty="0"/>
+                    </a:p>
+                  </a:txBody>
+                  <a:tcPr/>
+                </a:tc>
+                <a:tc>
+                  <a:txBody>
+                    <a:bodyPr/>
+                    <a:lstStyle/>
+                    <a:p>
+                      <a:r>
+                        <a:rPr lang="zh-CN" altLang="en-US" dirty="0" smtClean="0"/>
+                        <a:t>金额</a:t>
+                      </a:r>
+                      <a:endParaRPr lang="zh-CN" altLang="en-US" dirty="0"/>
+                    </a:p>
+                  </a:txBody>
+                  <a:tcPr/>
+                </a:tc>
+              </a:tr>
+              <a:tr h="370840">
+                <a:tc>
+                  <a:txBody>
+                    <a:bodyPr/>
+                    <a:lstStyle/>
+                    <a:p>
+                      <a:endParaRPr lang="zh-CN" altLang="en-US" dirty="0"/>
+                    </a:p>
+                  </a:txBody>
+                  <a:tcPr/>
+                </a:tc>
+                <a:tc>
+                  <a:txBody>
+                    <a:bodyPr/>
+                    <a:lstStyle/>
+                    <a:p>
+                      <a:endParaRPr lang="zh-CN" altLang="en-US" dirty="0"/>
+                    </a:p>
+                  </a:txBody>
+                  <a:tcPr/>
+                </a:tc>
+                <a:tc>
+                  <a:txBody>
+                    <a:bodyPr/>
+                    <a:lstStyle/>
+                    <a:p>
+                      <a:endParaRPr lang="zh-CN" altLang="en-US" dirty="0"/>
+                    </a:p>
+                  </a:txBody>
+                  <a:tcPr/>
+                </a:tc>
+              </a:tr>
+            </a:tbl>
+          </a:graphicData>
+        </a:graphic>
+      </p:graphicFrame>
+      <p:sp>
+        <p:nvSpPr>
+          <p:cNvPr id="12" name="文本框 11"/>
+          <p:cNvSpPr txBox="1"/>
+          <p:nvPr/>
+        </p:nvSpPr>
+        <p:spPr>
+          <a:xfrm>
+            <a:off x="5275217" y="4604636"/>
+            <a:ext cx="3350623" cy="369332"/>
+          </a:xfrm>
+          <a:prstGeom prst="rect">
+            <a:avLst/>
+          </a:prstGeom>
+          <a:noFill/>
+        </p:spPr>
+        <p:txBody>
+          <a:bodyPr wrap="square" rtlCol="0">
+            <a:spAutoFit/>
+          </a:bodyPr>
+          <a:lstStyle/>
+          <a:p>
+            <a:r>
+              <a:rPr lang="zh-CN" altLang="en-US" dirty="0" smtClean="0">
+                <a:solidFill>
+                  <a:srgbClr val="FF0000"/>
+                </a:solidFill>
+              </a:rPr>
+              <a:t>按照资金账号</a:t>
+            </a:r>
+            <a:endParaRPr lang="zh-CN" altLang="en-US" dirty="0">
+              <a:solidFill>
+                <a:srgbClr val="FF0000"/>
+              </a:solidFill>
+            </a:endParaRPr>
+          </a:p>
+        </p:txBody>
+      </p:sp>
+      <p:sp>
+        <p:nvSpPr>
+          <p:cNvPr id="13" name="文本框 12"/>
+          <p:cNvSpPr txBox="1"/>
+          <p:nvPr/>
+        </p:nvSpPr>
+        <p:spPr>
+          <a:xfrm>
+            <a:off x="219234" y="4002833"/>
+            <a:ext cx="4121987" cy="369332"/>
+          </a:xfrm>
+          <a:prstGeom prst="rect">
+            <a:avLst/>
+          </a:prstGeom>
+          <a:noFill/>
+        </p:spPr>
+        <p:txBody>
+          <a:bodyPr wrap="square" rtlCol="0">
+            <a:spAutoFit/>
+          </a:bodyPr>
+          <a:lstStyle/>
+          <a:p>
+            <a:r>
+              <a:rPr lang="en-US" altLang="zh-CN" b="1" dirty="0" smtClean="0">
+                <a:solidFill>
+                  <a:srgbClr val="FF0000"/>
+                </a:solidFill>
+              </a:rPr>
+              <a:t>2</a:t>
+            </a:r>
+            <a:r>
+              <a:rPr lang="zh-CN" altLang="en-US" b="1" dirty="0" smtClean="0">
+                <a:solidFill>
+                  <a:srgbClr val="FF0000"/>
+                </a:solidFill>
+              </a:rPr>
+              <a:t>、资金账号两次记录之间的支出情况</a:t>
+            </a:r>
+            <a:endParaRPr lang="zh-CN" altLang="en-US" b="1" dirty="0">
+              <a:solidFill>
+                <a:srgbClr val="FF0000"/>
+              </a:solidFill>
+            </a:endParaRPr>
+          </a:p>
+        </p:txBody>
+      </p:sp>
+      <p:sp>
+        <p:nvSpPr>
+          <p:cNvPr id="14" name="文本框 13"/>
+          <p:cNvSpPr txBox="1"/>
+          <p:nvPr/>
+        </p:nvSpPr>
+        <p:spPr>
+          <a:xfrm>
+            <a:off x="330926" y="4493623"/>
+            <a:ext cx="3204754" cy="1754326"/>
+          </a:xfrm>
+          <a:prstGeom prst="rect">
+            <a:avLst/>
+          </a:prstGeom>
+          <a:noFill/>
+        </p:spPr>
+        <p:txBody>
+          <a:bodyPr wrap="square" rtlCol="0">
+            <a:spAutoFit/>
+          </a:bodyPr>
+          <a:lstStyle/>
+          <a:p>
+            <a:r>
+              <a:rPr lang="en-US" altLang="zh-CN" b="1" dirty="0" err="1" smtClean="0"/>
+              <a:t>selectField</a:t>
+            </a:r>
+            <a:r>
+              <a:rPr lang="zh-CN" altLang="en-US" b="1" dirty="0" smtClean="0"/>
+              <a:t>选择哪个时间段</a:t>
+            </a:r>
+            <a:endParaRPr lang="en-US" altLang="zh-CN" b="1" dirty="0" smtClean="0"/>
+          </a:p>
+          <a:p>
+            <a:r>
+              <a:rPr lang="zh-CN" altLang="en-US" dirty="0" smtClean="0"/>
+              <a:t>起始资金额度</a:t>
+            </a:r>
+            <a:endParaRPr lang="en-US" altLang="zh-CN" dirty="0" smtClean="0"/>
+          </a:p>
+          <a:p>
+            <a:r>
+              <a:rPr lang="zh-CN" altLang="en-US" dirty="0" smtClean="0"/>
+              <a:t>终止资金额度</a:t>
+            </a:r>
+            <a:endParaRPr lang="en-US" altLang="zh-CN" dirty="0" smtClean="0"/>
+          </a:p>
+          <a:p>
+            <a:r>
+              <a:rPr lang="zh-CN" altLang="en-US" dirty="0"/>
+              <a:t>每</a:t>
+            </a:r>
+            <a:r>
+              <a:rPr lang="zh-CN" altLang="en-US" dirty="0" smtClean="0"/>
+              <a:t>类消费金额总数</a:t>
+            </a:r>
+            <a:endParaRPr lang="en-US" altLang="zh-CN" dirty="0" smtClean="0"/>
+          </a:p>
+          <a:p>
+            <a:r>
+              <a:rPr lang="zh-CN" altLang="en-US" dirty="0"/>
+              <a:t>转</a:t>
+            </a:r>
+            <a:r>
+              <a:rPr lang="zh-CN" altLang="en-US" dirty="0" smtClean="0"/>
+              <a:t>出到其它账号金额总数</a:t>
+            </a:r>
+            <a:endParaRPr lang="en-US" altLang="zh-CN" dirty="0" smtClean="0"/>
+          </a:p>
+          <a:p>
+            <a:r>
+              <a:rPr lang="zh-CN" altLang="en-US" dirty="0" smtClean="0"/>
+              <a:t>转入到该账号金额总数</a:t>
+            </a:r>
+            <a:endParaRPr lang="en-US" altLang="zh-CN" dirty="0" smtClean="0"/>
+          </a:p>
+        </p:txBody>
+      </p:sp>
     </p:spTree>
     <p:extLst>
       <p:ext uri="{BB962C8B-B14F-4D97-AF65-F5344CB8AC3E}">
